--- a/classes/prog2016/Lab06.pptx
+++ b/classes/prog2016/Lab06.pptx
@@ -303,7 +303,7 @@
             <a:fld id="{1D8BD707-D9CF-40AE-B4C6-C98DA3205C09}" type="datetimeFigureOut">
               <a:rPr lang="en-US" smtClean="0"/>
               <a:pPr/>
-              <a:t>9/27/2016</a:t>
+              <a:t>10/11/2016</a:t>
             </a:fld>
             <a:endParaRPr lang="en-US"/>
           </a:p>
@@ -468,7 +468,7 @@
             <a:fld id="{1D8BD707-D9CF-40AE-B4C6-C98DA3205C09}" type="datetimeFigureOut">
               <a:rPr lang="en-US" smtClean="0"/>
               <a:pPr/>
-              <a:t>9/27/2016</a:t>
+              <a:t>10/11/2016</a:t>
             </a:fld>
             <a:endParaRPr lang="en-US"/>
           </a:p>
@@ -643,7 +643,7 @@
             <a:fld id="{1D8BD707-D9CF-40AE-B4C6-C98DA3205C09}" type="datetimeFigureOut">
               <a:rPr lang="en-US" smtClean="0"/>
               <a:pPr/>
-              <a:t>9/27/2016</a:t>
+              <a:t>10/11/2016</a:t>
             </a:fld>
             <a:endParaRPr lang="en-US"/>
           </a:p>
@@ -808,7 +808,7 @@
             <a:fld id="{1D8BD707-D9CF-40AE-B4C6-C98DA3205C09}" type="datetimeFigureOut">
               <a:rPr lang="en-US" smtClean="0"/>
               <a:pPr/>
-              <a:t>9/27/2016</a:t>
+              <a:t>10/11/2016</a:t>
             </a:fld>
             <a:endParaRPr lang="en-US"/>
           </a:p>
@@ -1050,7 +1050,7 @@
             <a:fld id="{1D8BD707-D9CF-40AE-B4C6-C98DA3205C09}" type="datetimeFigureOut">
               <a:rPr lang="en-US" smtClean="0"/>
               <a:pPr/>
-              <a:t>9/27/2016</a:t>
+              <a:t>10/11/2016</a:t>
             </a:fld>
             <a:endParaRPr lang="en-US"/>
           </a:p>
@@ -1332,7 +1332,7 @@
             <a:fld id="{1D8BD707-D9CF-40AE-B4C6-C98DA3205C09}" type="datetimeFigureOut">
               <a:rPr lang="en-US" smtClean="0"/>
               <a:pPr/>
-              <a:t>9/27/2016</a:t>
+              <a:t>10/11/2016</a:t>
             </a:fld>
             <a:endParaRPr lang="en-US"/>
           </a:p>
@@ -1748,7 +1748,7 @@
             <a:fld id="{1D8BD707-D9CF-40AE-B4C6-C98DA3205C09}" type="datetimeFigureOut">
               <a:rPr lang="en-US" smtClean="0"/>
               <a:pPr/>
-              <a:t>9/27/2016</a:t>
+              <a:t>10/11/2016</a:t>
             </a:fld>
             <a:endParaRPr lang="en-US"/>
           </a:p>
@@ -1862,7 +1862,7 @@
             <a:fld id="{1D8BD707-D9CF-40AE-B4C6-C98DA3205C09}" type="datetimeFigureOut">
               <a:rPr lang="en-US" smtClean="0"/>
               <a:pPr/>
-              <a:t>9/27/2016</a:t>
+              <a:t>10/11/2016</a:t>
             </a:fld>
             <a:endParaRPr lang="en-US"/>
           </a:p>
@@ -1954,7 +1954,7 @@
             <a:fld id="{1D8BD707-D9CF-40AE-B4C6-C98DA3205C09}" type="datetimeFigureOut">
               <a:rPr lang="en-US" smtClean="0"/>
               <a:pPr/>
-              <a:t>9/27/2016</a:t>
+              <a:t>10/11/2016</a:t>
             </a:fld>
             <a:endParaRPr lang="en-US"/>
           </a:p>
@@ -2226,7 +2226,7 @@
             <a:fld id="{1D8BD707-D9CF-40AE-B4C6-C98DA3205C09}" type="datetimeFigureOut">
               <a:rPr lang="en-US" smtClean="0"/>
               <a:pPr/>
-              <a:t>9/27/2016</a:t>
+              <a:t>10/11/2016</a:t>
             </a:fld>
             <a:endParaRPr lang="en-US"/>
           </a:p>
@@ -2475,7 +2475,7 @@
             <a:fld id="{1D8BD707-D9CF-40AE-B4C6-C98DA3205C09}" type="datetimeFigureOut">
               <a:rPr lang="en-US" smtClean="0"/>
               <a:pPr/>
-              <a:t>9/27/2016</a:t>
+              <a:t>10/11/2016</a:t>
             </a:fld>
             <a:endParaRPr lang="en-US"/>
           </a:p>
@@ -2683,7 +2683,7 @@
             <a:fld id="{1D8BD707-D9CF-40AE-B4C6-C98DA3205C09}" type="datetimeFigureOut">
               <a:rPr lang="en-US" smtClean="0"/>
               <a:pPr/>
-              <a:t>9/27/2016</a:t>
+              <a:t>10/11/2016</a:t>
             </a:fld>
             <a:endParaRPr lang="en-US"/>
           </a:p>
@@ -3320,7 +3320,21 @@
                 <a:latin typeface="Arial" panose="020B0604020202020204" pitchFamily="34" charset="0"/>
                 <a:cs typeface="Arial" panose="020B0604020202020204" pitchFamily="34" charset="0"/>
               </a:rPr>
-              <a:t>Seen in the input file as the header (with the sequence seen the fewest times the first)</a:t>
+              <a:t>Seen in the input file as the header </a:t>
+            </a:r>
+            <a:r>
+              <a:rPr lang="en-US" altLang="en-US" sz="1600">
+                <a:latin typeface="Arial" panose="020B0604020202020204" pitchFamily="34" charset="0"/>
+                <a:cs typeface="Arial" panose="020B0604020202020204" pitchFamily="34" charset="0"/>
+              </a:rPr>
+              <a:t>(sorted with </a:t>
+            </a:r>
+            <a:r>
+              <a:rPr lang="en-US" altLang="en-US" sz="1600" dirty="0">
+                <a:latin typeface="Arial" panose="020B0604020202020204" pitchFamily="34" charset="0"/>
+                <a:cs typeface="Arial" panose="020B0604020202020204" pitchFamily="34" charset="0"/>
+              </a:rPr>
+              <a:t>the sequence seen the fewest times the first)</a:t>
             </a:r>
           </a:p>
           <a:p>
